--- a/day07/문제_알고리즘 문제풀이_인프런08_DFS_BFS.pptx
+++ b/day07/문제_알고리즘 문제풀이_인프런08_DFS_BFS.pptx
@@ -5144,7 +5144,7 @@
       </p:sp>
       <p:pic>
         <p:nvPicPr>
-          <p:cNvPr id="9" name="그림 8"/>
+          <p:cNvPr id="14" name="그림 13"/>
           <p:cNvPicPr>
             <a:picLocks noChangeAspect="1"/>
           </p:cNvPicPr>
@@ -5158,8 +5158,8 @@
         </p:blipFill>
         <p:spPr>
           <a:xfrm>
-            <a:off x="523875" y="1504950"/>
-            <a:ext cx="4568078" cy="1688202"/>
+            <a:off x="481528" y="474345"/>
+            <a:ext cx="4609485" cy="2385611"/>
           </a:xfrm>
           <a:prstGeom prst="rect">
             <a:avLst/>
@@ -5173,7 +5173,7 @@
       </p:pic>
       <p:pic>
         <p:nvPicPr>
-          <p:cNvPr id="10" name="그림 9"/>
+          <p:cNvPr id="15" name="그림 14"/>
           <p:cNvPicPr>
             <a:picLocks noChangeAspect="1"/>
           </p:cNvPicPr>
@@ -5187,8 +5187,8 @@
         </p:blipFill>
         <p:spPr>
           <a:xfrm>
-            <a:off x="523875" y="474345"/>
-            <a:ext cx="4391785" cy="984885"/>
+            <a:off x="5248573" y="474345"/>
+            <a:ext cx="6629492" cy="5426083"/>
           </a:xfrm>
           <a:prstGeom prst="rect">
             <a:avLst/>
@@ -5200,81 +5200,6 @@
           </a:ln>
         </p:spPr>
       </p:pic>
-      <p:grpSp>
-        <p:nvGrpSpPr>
-          <p:cNvPr id="13" name=""/>
-          <p:cNvGrpSpPr/>
-          <p:nvPr/>
-        </p:nvGrpSpPr>
-        <p:grpSpPr>
-          <a:xfrm rot="0">
-            <a:off x="5263403" y="474345"/>
-            <a:ext cx="6634577" cy="5526405"/>
-            <a:chOff x="5091953" y="609972"/>
-            <a:chExt cx="6634577" cy="5526405"/>
-          </a:xfrm>
-        </p:grpSpPr>
-        <p:pic>
-          <p:nvPicPr>
-            <p:cNvPr id="11" name="그림 10"/>
-            <p:cNvPicPr>
-              <a:picLocks noChangeAspect="1"/>
-            </p:cNvPicPr>
-            <p:nvPr/>
-          </p:nvPicPr>
-          <p:blipFill rotWithShape="1">
-            <a:blip r:embed="rId4"/>
-            <a:stretch>
-              <a:fillRect/>
-            </a:stretch>
-          </p:blipFill>
-          <p:spPr>
-            <a:xfrm>
-              <a:off x="5091953" y="609972"/>
-              <a:ext cx="6634577" cy="5166360"/>
-            </a:xfrm>
-            <a:prstGeom prst="rect">
-              <a:avLst/>
-            </a:prstGeom>
-            <a:ln>
-              <a:solidFill>
-                <a:schemeClr val="accent1"/>
-              </a:solidFill>
-            </a:ln>
-          </p:spPr>
-        </p:pic>
-        <p:sp>
-          <p:nvSpPr>
-            <p:cNvPr id="12" name="가로 글상자 11"/>
-            <p:cNvSpPr txBox="1"/>
-            <p:nvPr/>
-          </p:nvSpPr>
-          <p:spPr>
-            <a:xfrm>
-              <a:off x="5248275" y="5776333"/>
-              <a:ext cx="333375" cy="360045"/>
-            </a:xfrm>
-            <a:prstGeom prst="rect">
-              <a:avLst/>
-            </a:prstGeom>
-          </p:spPr>
-          <p:txBody>
-            <a:bodyPr wrap="square">
-              <a:spAutoFit/>
-            </a:bodyPr>
-            <a:p>
-              <a:pPr lvl="0">
-                <a:defRPr/>
-              </a:pPr>
-              <a:r>
-                <a:rPr lang="en-US" altLang="ko-KR"/>
-                <a:t>}</a:t>
-              </a:r>
-              <a:endParaRPr lang="en-US" altLang="ko-KR"/>
-            </a:p>
-          </p:txBody>
-        </p:sp>
-      </p:grpSp>
     </p:spTree>
     <p:extLst>
       <p:ext uri="{BB962C8B-B14F-4D97-AF65-F5344CB8AC3E}">
